--- a/lectures/2-Logistic-Regression.pptx
+++ b/lectures/2-Logistic-Regression.pptx
@@ -5,17 +5,16 @@
     <p:sldMasterId id="2147483648" r:id="rId1"/>
   </p:sldMasterIdLst>
   <p:notesMasterIdLst>
-    <p:notesMasterId r:id="rId10"/>
+    <p:notesMasterId r:id="rId9"/>
   </p:notesMasterIdLst>
   <p:sldIdLst>
-    <p:sldId id="256" r:id="rId2"/>
-    <p:sldId id="386" r:id="rId3"/>
-    <p:sldId id="283" r:id="rId4"/>
-    <p:sldId id="285" r:id="rId5"/>
-    <p:sldId id="288" r:id="rId6"/>
-    <p:sldId id="290" r:id="rId7"/>
-    <p:sldId id="289" r:id="rId8"/>
-    <p:sldId id="291" r:id="rId9"/>
+    <p:sldId id="386" r:id="rId2"/>
+    <p:sldId id="283" r:id="rId3"/>
+    <p:sldId id="285" r:id="rId4"/>
+    <p:sldId id="288" r:id="rId5"/>
+    <p:sldId id="290" r:id="rId6"/>
+    <p:sldId id="289" r:id="rId7"/>
+    <p:sldId id="291" r:id="rId8"/>
   </p:sldIdLst>
   <p:sldSz cx="12192000" cy="6858000"/>
   <p:notesSz cx="6858000" cy="9144000"/>
@@ -114,6 +113,11 @@
       </a:defRPr>
     </a:lvl9pPr>
   </p:defaultTextStyle>
+  <p:extLst>
+    <p:ext uri="{EFAFB233-063F-42B5-8137-9DF3F51BA10A}">
+      <p15:sldGuideLst xmlns:p15="http://schemas.microsoft.com/office/powerpoint/2012/main"/>
+    </p:ext>
+  </p:extLst>
 </p:presentation>
 </file>
 
@@ -4371,7 +4375,7 @@
           <a:p>
             <a:fld id="{2FC7507C-5BC3-E74B-BD72-534C8E5A2760}" type="datetimeFigureOut">
               <a:rPr lang="en-US" smtClean="0"/>
-              <a:t>5/22/20</a:t>
+              <a:t>5/30/20</a:t>
             </a:fld>
             <a:endParaRPr lang="en-US"/>
           </a:p>
@@ -4703,7 +4707,7 @@
           <a:p>
             <a:fld id="{F3EDB452-00BF-924C-9465-03C1104CE954}" type="slidenum">
               <a:rPr lang="en-US" smtClean="0"/>
-              <a:t>2</a:t>
+              <a:t>1</a:t>
             </a:fld>
             <a:endParaRPr lang="en-US"/>
           </a:p>
@@ -4869,7 +4873,7 @@
           <a:p>
             <a:fld id="{E136D78B-BEB3-884D-9D16-9680F9E7AECB}" type="datetimeFigureOut">
               <a:rPr lang="en-US" smtClean="0"/>
-              <a:t>5/22/20</a:t>
+              <a:t>5/30/20</a:t>
             </a:fld>
             <a:endParaRPr lang="en-US"/>
           </a:p>
@@ -5067,7 +5071,7 @@
           <a:p>
             <a:fld id="{E136D78B-BEB3-884D-9D16-9680F9E7AECB}" type="datetimeFigureOut">
               <a:rPr lang="en-US" smtClean="0"/>
-              <a:t>5/22/20</a:t>
+              <a:t>5/30/20</a:t>
             </a:fld>
             <a:endParaRPr lang="en-US"/>
           </a:p>
@@ -5275,7 +5279,7 @@
           <a:p>
             <a:fld id="{E136D78B-BEB3-884D-9D16-9680F9E7AECB}" type="datetimeFigureOut">
               <a:rPr lang="en-US" smtClean="0"/>
-              <a:t>5/22/20</a:t>
+              <a:t>5/30/20</a:t>
             </a:fld>
             <a:endParaRPr lang="en-US"/>
           </a:p>
@@ -5473,7 +5477,7 @@
           <a:p>
             <a:fld id="{E136D78B-BEB3-884D-9D16-9680F9E7AECB}" type="datetimeFigureOut">
               <a:rPr lang="en-US" smtClean="0"/>
-              <a:t>5/22/20</a:t>
+              <a:t>5/30/20</a:t>
             </a:fld>
             <a:endParaRPr lang="en-US"/>
           </a:p>
@@ -5748,7 +5752,7 @@
           <a:p>
             <a:fld id="{E136D78B-BEB3-884D-9D16-9680F9E7AECB}" type="datetimeFigureOut">
               <a:rPr lang="en-US" smtClean="0"/>
-              <a:t>5/22/20</a:t>
+              <a:t>5/30/20</a:t>
             </a:fld>
             <a:endParaRPr lang="en-US"/>
           </a:p>
@@ -6013,7 +6017,7 @@
           <a:p>
             <a:fld id="{E136D78B-BEB3-884D-9D16-9680F9E7AECB}" type="datetimeFigureOut">
               <a:rPr lang="en-US" smtClean="0"/>
-              <a:t>5/22/20</a:t>
+              <a:t>5/30/20</a:t>
             </a:fld>
             <a:endParaRPr lang="en-US"/>
           </a:p>
@@ -6425,7 +6429,7 @@
           <a:p>
             <a:fld id="{E136D78B-BEB3-884D-9D16-9680F9E7AECB}" type="datetimeFigureOut">
               <a:rPr lang="en-US" smtClean="0"/>
-              <a:t>5/22/20</a:t>
+              <a:t>5/30/20</a:t>
             </a:fld>
             <a:endParaRPr lang="en-US"/>
           </a:p>
@@ -6566,7 +6570,7 @@
           <a:p>
             <a:fld id="{E136D78B-BEB3-884D-9D16-9680F9E7AECB}" type="datetimeFigureOut">
               <a:rPr lang="en-US" smtClean="0"/>
-              <a:t>5/22/20</a:t>
+              <a:t>5/30/20</a:t>
             </a:fld>
             <a:endParaRPr lang="en-US"/>
           </a:p>
@@ -6679,7 +6683,7 @@
           <a:p>
             <a:fld id="{E136D78B-BEB3-884D-9D16-9680F9E7AECB}" type="datetimeFigureOut">
               <a:rPr lang="en-US" smtClean="0"/>
-              <a:t>5/22/20</a:t>
+              <a:t>5/30/20</a:t>
             </a:fld>
             <a:endParaRPr lang="en-US"/>
           </a:p>
@@ -6990,7 +6994,7 @@
           <a:p>
             <a:fld id="{E136D78B-BEB3-884D-9D16-9680F9E7AECB}" type="datetimeFigureOut">
               <a:rPr lang="en-US" smtClean="0"/>
-              <a:t>5/22/20</a:t>
+              <a:t>5/30/20</a:t>
             </a:fld>
             <a:endParaRPr lang="en-US"/>
           </a:p>
@@ -7278,7 +7282,7 @@
           <a:p>
             <a:fld id="{E136D78B-BEB3-884D-9D16-9680F9E7AECB}" type="datetimeFigureOut">
               <a:rPr lang="en-US" smtClean="0"/>
-              <a:t>5/22/20</a:t>
+              <a:t>5/30/20</a:t>
             </a:fld>
             <a:endParaRPr lang="en-US"/>
           </a:p>
@@ -7519,7 +7523,7 @@
           <a:p>
             <a:fld id="{E136D78B-BEB3-884D-9D16-9680F9E7AECB}" type="datetimeFigureOut">
               <a:rPr lang="en-US" smtClean="0"/>
-              <a:t>5/22/20</a:t>
+              <a:t>5/30/20</a:t>
             </a:fld>
             <a:endParaRPr lang="en-US"/>
           </a:p>
@@ -7941,86 +7945,6 @@
           <p:cNvPr id="2" name="Title 1">
             <a:extLst>
               <a:ext uri="{FF2B5EF4-FFF2-40B4-BE49-F238E27FC236}">
-                <a16:creationId xmlns:a16="http://schemas.microsoft.com/office/drawing/2014/main" id="{C5AFC68A-36E5-7E4E-8A7E-2DAABBB773F7}"/>
-              </a:ext>
-            </a:extLst>
-          </p:cNvPr>
-          <p:cNvSpPr>
-            <a:spLocks noGrp="1"/>
-          </p:cNvSpPr>
-          <p:nvPr>
-            <p:ph type="ctrTitle"/>
-          </p:nvPr>
-        </p:nvSpPr>
-        <p:spPr/>
-        <p:txBody>
-          <a:bodyPr/>
-          <a:lstStyle/>
-          <a:p>
-            <a:endParaRPr lang="en-US"/>
-          </a:p>
-        </p:txBody>
-      </p:sp>
-      <p:sp>
-        <p:nvSpPr>
-          <p:cNvPr id="3" name="Subtitle 2">
-            <a:extLst>
-              <a:ext uri="{FF2B5EF4-FFF2-40B4-BE49-F238E27FC236}">
-                <a16:creationId xmlns:a16="http://schemas.microsoft.com/office/drawing/2014/main" id="{085EEFAA-7BE6-474B-9589-CA9BA84B49B4}"/>
-              </a:ext>
-            </a:extLst>
-          </p:cNvPr>
-          <p:cNvSpPr>
-            <a:spLocks noGrp="1"/>
-          </p:cNvSpPr>
-          <p:nvPr>
-            <p:ph type="subTitle" idx="1"/>
-          </p:nvPr>
-        </p:nvSpPr>
-        <p:spPr/>
-        <p:txBody>
-          <a:bodyPr/>
-          <a:lstStyle/>
-          <a:p>
-            <a:endParaRPr lang="en-US"/>
-          </a:p>
-        </p:txBody>
-      </p:sp>
-    </p:spTree>
-    <p:extLst>
-      <p:ext uri="{BB962C8B-B14F-4D97-AF65-F5344CB8AC3E}">
-        <p14:creationId xmlns:p14="http://schemas.microsoft.com/office/powerpoint/2010/main" val="4133401357"/>
-      </p:ext>
-    </p:extLst>
-  </p:cSld>
-  <p:clrMapOvr>
-    <a:masterClrMapping/>
-  </p:clrMapOvr>
-</p:sld>
-</file>
-
-<file path=ppt/slides/slide2.xml><?xml version="1.0" encoding="utf-8"?>
-<p:sld xmlns:a="http://schemas.openxmlformats.org/drawingml/2006/main" xmlns:r="http://schemas.openxmlformats.org/officeDocument/2006/relationships" xmlns:p="http://schemas.openxmlformats.org/presentationml/2006/main">
-  <p:cSld>
-    <p:spTree>
-      <p:nvGrpSpPr>
-        <p:cNvPr id="1" name=""/>
-        <p:cNvGrpSpPr/>
-        <p:nvPr/>
-      </p:nvGrpSpPr>
-      <p:grpSpPr>
-        <a:xfrm>
-          <a:off x="0" y="0"/>
-          <a:ext cx="0" cy="0"/>
-          <a:chOff x="0" y="0"/>
-          <a:chExt cx="0" cy="0"/>
-        </a:xfrm>
-      </p:grpSpPr>
-      <p:sp>
-        <p:nvSpPr>
-          <p:cNvPr id="2" name="Title 1">
-            <a:extLst>
-              <a:ext uri="{FF2B5EF4-FFF2-40B4-BE49-F238E27FC236}">
                 <a16:creationId xmlns:a16="http://schemas.microsoft.com/office/drawing/2014/main" id="{32468C7B-6237-0942-88D7-C2ED2E53F0D8}"/>
               </a:ext>
             </a:extLst>
@@ -8092,7 +8016,7 @@
             </a:r>
             <a:r>
               <a:rPr lang="en-US" dirty="0"/>
-              <a:t>3</a:t>
+              <a:t>2</a:t>
             </a:r>
             <a:r>
               <a:rPr lang="en-US"/>
@@ -8118,7 +8042,7 @@
 </p:sld>
 </file>
 
-<file path=ppt/slides/slide3.xml><?xml version="1.0" encoding="utf-8"?>
+<file path=ppt/slides/slide2.xml><?xml version="1.0" encoding="utf-8"?>
 <p:sld xmlns:a="http://schemas.openxmlformats.org/drawingml/2006/main" xmlns:r="http://schemas.openxmlformats.org/officeDocument/2006/relationships" xmlns:p="http://schemas.openxmlformats.org/presentationml/2006/main">
   <p:cSld>
     <p:spTree>
@@ -8807,7 +8731,7 @@
 </p:sld>
 </file>
 
-<file path=ppt/slides/slide4.xml><?xml version="1.0" encoding="utf-8"?>
+<file path=ppt/slides/slide3.xml><?xml version="1.0" encoding="utf-8"?>
 <p:sld xmlns:a="http://schemas.openxmlformats.org/drawingml/2006/main" xmlns:r="http://schemas.openxmlformats.org/officeDocument/2006/relationships" xmlns:p="http://schemas.openxmlformats.org/presentationml/2006/main">
   <p:cSld>
     <p:spTree>
@@ -9964,7 +9888,7 @@
 </p:sld>
 </file>
 
-<file path=ppt/slides/slide5.xml><?xml version="1.0" encoding="utf-8"?>
+<file path=ppt/slides/slide4.xml><?xml version="1.0" encoding="utf-8"?>
 <p:sld xmlns:a="http://schemas.openxmlformats.org/drawingml/2006/main" xmlns:r="http://schemas.openxmlformats.org/officeDocument/2006/relationships" xmlns:p="http://schemas.openxmlformats.org/presentationml/2006/main" show="0">
   <p:cSld>
     <p:spTree>
@@ -13940,7 +13864,7 @@
 </p:sld>
 </file>
 
-<file path=ppt/slides/slide6.xml><?xml version="1.0" encoding="utf-8"?>
+<file path=ppt/slides/slide5.xml><?xml version="1.0" encoding="utf-8"?>
 <p:sld xmlns:a="http://schemas.openxmlformats.org/drawingml/2006/main" xmlns:r="http://schemas.openxmlformats.org/officeDocument/2006/relationships" xmlns:p="http://schemas.openxmlformats.org/presentationml/2006/main" show="0">
   <p:cSld>
     <p:spTree>
@@ -16893,7 +16817,7 @@
 </p:sld>
 </file>
 
-<file path=ppt/slides/slide7.xml><?xml version="1.0" encoding="utf-8"?>
+<file path=ppt/slides/slide6.xml><?xml version="1.0" encoding="utf-8"?>
 <p:sld xmlns:a="http://schemas.openxmlformats.org/drawingml/2006/main" xmlns:r="http://schemas.openxmlformats.org/officeDocument/2006/relationships" xmlns:p="http://schemas.openxmlformats.org/presentationml/2006/main">
   <p:cSld>
     <p:spTree>
@@ -17334,7 +17258,7 @@
 </p:sld>
 </file>
 
-<file path=ppt/slides/slide8.xml><?xml version="1.0" encoding="utf-8"?>
+<file path=ppt/slides/slide7.xml><?xml version="1.0" encoding="utf-8"?>
 <p:sld xmlns:a="http://schemas.openxmlformats.org/drawingml/2006/main" xmlns:r="http://schemas.openxmlformats.org/officeDocument/2006/relationships" xmlns:p="http://schemas.openxmlformats.org/presentationml/2006/main">
   <p:cSld>
     <p:spTree>
